--- a/business/pitch-deck/v1/Jibres-PitchDeck-v1.pptx
+++ b/business/pitch-deck/v1/Jibres-PitchDeck-v1.pptx
@@ -15630,7 +15630,7 @@
           </a:pPr>
           <a:r>
             <a:rPr lang="fa-IR" sz="1600" b="1" dirty="0"/>
-            <a:t>۱۵ میلیارد تومان</a:t>
+            <a:t>۲۰ میلیارد تومان</a:t>
           </a:r>
           <a:endParaRPr lang="en-US" sz="1600" b="1" dirty="0"/>
         </a:p>
@@ -22406,7 +22406,7 @@
           </a:pPr>
           <a:r>
             <a:rPr lang="fa-IR" sz="1600" b="1" kern="1200" dirty="0"/>
-            <a:t>۱۵ میلیارد تومان</a:t>
+            <a:t>۲۰ میلیارد تومان</a:t>
           </a:r>
           <a:endParaRPr lang="en-US" sz="1600" b="1" kern="1200" dirty="0"/>
         </a:p>
@@ -32693,7 +32693,7 @@
           <a:p>
             <a:fld id="{4BCE15A7-A56F-4E25-873C-50B597AA8420}" type="datetimeFigureOut">
               <a:rPr lang="en-US" smtClean="0"/>
-              <a:t>2021-05-21</a:t>
+              <a:t>2021-05-23</a:t>
             </a:fld>
             <a:endParaRPr lang="en-US"/>
           </a:p>
@@ -32870,7 +32870,7 @@
           <a:p>
             <a:fld id="{62C1A832-66EE-44A0-BEBE-A62E02B5B452}" type="datetimeFigureOut">
               <a:rPr lang="en-US" smtClean="0"/>
-              <a:t>2021-05-21</a:t>
+              <a:t>2021-05-23</a:t>
             </a:fld>
             <a:endParaRPr lang="en-US"/>
           </a:p>
@@ -47163,7 +47163,7 @@
             <p:ph sz="half" idx="2"/>
             <p:extLst>
               <p:ext uri="{D42A27DB-BD31-4B8C-83A1-F6EECF244321}">
-                <p14:modId xmlns:p14="http://schemas.microsoft.com/office/powerpoint/2010/main" val="3362477498"/>
+                <p14:modId xmlns:p14="http://schemas.microsoft.com/office/powerpoint/2010/main" val="1724955825"/>
               </p:ext>
             </p:extLst>
           </p:nvPr>

--- a/business/pitch-deck/v1/Jibres-PitchDeck-v1.pptx
+++ b/business/pitch-deck/v1/Jibres-PitchDeck-v1.pptx
@@ -2191,10 +2191,10 @@
   <c:roundedCorners val="0"/>
   <mc:AlternateContent xmlns:mc="http://schemas.openxmlformats.org/markup-compatibility/2006">
     <mc:Choice xmlns:c14="http://schemas.microsoft.com/office/drawing/2007/8/2/chart" Requires="c14">
-      <c14:style val="102"/>
+      <c14:style val="105"/>
     </mc:Choice>
     <mc:Fallback>
-      <c:style val="2"/>
+      <c:style val="5"/>
     </mc:Fallback>
   </mc:AlternateContent>
   <c:chart>
@@ -2211,7 +2211,9 @@
             <c:bubble3D val="0"/>
             <c:spPr>
               <a:solidFill>
-                <a:srgbClr val="868569"/>
+                <a:schemeClr val="accent3">
+                  <a:tint val="48000"/>
+                </a:schemeClr>
               </a:solidFill>
               <a:ln w="19050">
                 <a:solidFill>
@@ -2222,7 +2224,7 @@
             </c:spPr>
             <c:extLst>
               <c:ext xmlns:c16="http://schemas.microsoft.com/office/drawing/2014/chart" uri="{C3380CC4-5D6E-409C-BE32-E72D297353CC}">
-                <c16:uniqueId val="{00000001-BDA7-44C5-8058-0A525BE1E5F2}"/>
+                <c16:uniqueId val="{00000001-CB68-4E64-B961-5F0638DAF763}"/>
               </c:ext>
             </c:extLst>
           </c:dPt>
@@ -2231,7 +2233,9 @@
             <c:bubble3D val="0"/>
             <c:spPr>
               <a:solidFill>
-                <a:srgbClr val="6771DC"/>
+                <a:schemeClr val="accent3">
+                  <a:tint val="65000"/>
+                </a:schemeClr>
               </a:solidFill>
               <a:ln w="19050">
                 <a:solidFill>
@@ -2242,12 +2246,34 @@
             </c:spPr>
             <c:extLst>
               <c:ext xmlns:c16="http://schemas.microsoft.com/office/drawing/2014/chart" uri="{C3380CC4-5D6E-409C-BE32-E72D297353CC}">
-                <c16:uniqueId val="{00000003-BDA7-44C5-8058-0A525BE1E5F2}"/>
+                <c16:uniqueId val="{00000003-CB68-4E64-B961-5F0638DAF763}"/>
               </c:ext>
             </c:extLst>
           </c:dPt>
           <c:dPt>
             <c:idx val="2"/>
+            <c:bubble3D val="0"/>
+            <c:spPr>
+              <a:solidFill>
+                <a:schemeClr val="accent3">
+                  <a:tint val="83000"/>
+                </a:schemeClr>
+              </a:solidFill>
+              <a:ln w="19050">
+                <a:solidFill>
+                  <a:schemeClr val="lt1"/>
+                </a:solidFill>
+              </a:ln>
+              <a:effectLst/>
+            </c:spPr>
+            <c:extLst>
+              <c:ext xmlns:c16="http://schemas.microsoft.com/office/drawing/2014/chart" uri="{C3380CC4-5D6E-409C-BE32-E72D297353CC}">
+                <c16:uniqueId val="{00000005-CB68-4E64-B961-5F0638DAF763}"/>
+              </c:ext>
+            </c:extLst>
+          </c:dPt>
+          <c:dPt>
+            <c:idx val="3"/>
             <c:bubble3D val="0"/>
             <c:spPr>
               <a:solidFill>
@@ -2262,16 +2288,18 @@
             </c:spPr>
             <c:extLst>
               <c:ext xmlns:c16="http://schemas.microsoft.com/office/drawing/2014/chart" uri="{C3380CC4-5D6E-409C-BE32-E72D297353CC}">
-                <c16:uniqueId val="{00000005-BDA7-44C5-8058-0A525BE1E5F2}"/>
+                <c16:uniqueId val="{00000007-CB68-4E64-B961-5F0638DAF763}"/>
               </c:ext>
             </c:extLst>
           </c:dPt>
           <c:dPt>
-            <c:idx val="3"/>
+            <c:idx val="4"/>
             <c:bubble3D val="0"/>
             <c:spPr>
               <a:solidFill>
-                <a:srgbClr val="DC67CE"/>
+                <a:schemeClr val="accent3">
+                  <a:shade val="82000"/>
+                </a:schemeClr>
               </a:solidFill>
               <a:ln w="19050">
                 <a:solidFill>
@@ -2282,16 +2310,18 @@
             </c:spPr>
             <c:extLst>
               <c:ext xmlns:c16="http://schemas.microsoft.com/office/drawing/2014/chart" uri="{C3380CC4-5D6E-409C-BE32-E72D297353CC}">
-                <c16:uniqueId val="{00000007-BDA7-44C5-8058-0A525BE1E5F2}"/>
+                <c16:uniqueId val="{00000009-CB68-4E64-B961-5F0638DAF763}"/>
               </c:ext>
             </c:extLst>
           </c:dPt>
           <c:dPt>
-            <c:idx val="4"/>
+            <c:idx val="5"/>
             <c:bubble3D val="0"/>
             <c:spPr>
               <a:solidFill>
-                <a:srgbClr val="DC6788"/>
+                <a:schemeClr val="accent3">
+                  <a:shade val="65000"/>
+                </a:schemeClr>
               </a:solidFill>
               <a:ln w="19050">
                 <a:solidFill>
@@ -2302,27 +2332,7 @@
             </c:spPr>
             <c:extLst>
               <c:ext xmlns:c16="http://schemas.microsoft.com/office/drawing/2014/chart" uri="{C3380CC4-5D6E-409C-BE32-E72D297353CC}">
-                <c16:uniqueId val="{00000009-BDA7-44C5-8058-0A525BE1E5F2}"/>
-              </c:ext>
-            </c:extLst>
-          </c:dPt>
-          <c:dPt>
-            <c:idx val="5"/>
-            <c:bubble3D val="0"/>
-            <c:spPr>
-              <a:solidFill>
-                <a:srgbClr val="DC8C67"/>
-              </a:solidFill>
-              <a:ln w="19050">
-                <a:solidFill>
-                  <a:schemeClr val="bg1"/>
-                </a:solidFill>
-              </a:ln>
-              <a:effectLst/>
-            </c:spPr>
-            <c:extLst>
-              <c:ext xmlns:c16="http://schemas.microsoft.com/office/drawing/2014/chart" uri="{C3380CC4-5D6E-409C-BE32-E72D297353CC}">
-                <c16:uniqueId val="{0000000B-BDA7-44C5-8058-0A525BE1E5F2}"/>
+                <c16:uniqueId val="{0000000B-CB68-4E64-B961-5F0638DAF763}"/>
               </c:ext>
             </c:extLst>
           </c:dPt>
@@ -2331,7 +2341,9 @@
             <c:bubble3D val="0"/>
             <c:spPr>
               <a:solidFill>
-                <a:srgbClr val="DCD267"/>
+                <a:schemeClr val="accent3">
+                  <a:shade val="47000"/>
+                </a:schemeClr>
               </a:solidFill>
               <a:ln w="19050">
                 <a:solidFill>
@@ -2342,7 +2354,7 @@
             </c:spPr>
             <c:extLst>
               <c:ext xmlns:c16="http://schemas.microsoft.com/office/drawing/2014/chart" uri="{C3380CC4-5D6E-409C-BE32-E72D297353CC}">
-                <c16:uniqueId val="{0000000D-BDA7-44C5-8058-0A525BE1E5F2}"/>
+                <c16:uniqueId val="{0000000D-CB68-4E64-B961-5F0638DAF763}"/>
               </c:ext>
             </c:extLst>
           </c:dPt>
@@ -2359,7 +2371,7 @@
               <c:extLst>
                 <c:ext xmlns:c15="http://schemas.microsoft.com/office/drawing/2012/chart" uri="{CE6537A1-D6FC-4f65-9D91-7224C49458BB}"/>
                 <c:ext xmlns:c16="http://schemas.microsoft.com/office/drawing/2014/chart" uri="{C3380CC4-5D6E-409C-BE32-E72D297353CC}">
-                  <c16:uniqueId val="{00000003-BDA7-44C5-8058-0A525BE1E5F2}"/>
+                  <c16:uniqueId val="{00000003-CB68-4E64-B961-5F0638DAF763}"/>
                 </c:ext>
               </c:extLst>
             </c:dLbl>
@@ -2405,13 +2417,13 @@
                 <c:ext xmlns:c15="http://schemas.microsoft.com/office/drawing/2012/chart" uri="{CE6537A1-D6FC-4f65-9D91-7224C49458BB}">
                   <c15:layout>
                     <c:manualLayout>
-                      <c:w val="0.12590366523644875"/>
-                      <c:h val="0.14074595355383532"/>
+                      <c:w val="0.11803223279275944"/>
+                      <c:h val="0.13793103448275862"/>
                     </c:manualLayout>
                   </c15:layout>
                 </c:ext>
                 <c:ext xmlns:c16="http://schemas.microsoft.com/office/drawing/2014/chart" uri="{C3380CC4-5D6E-409C-BE32-E72D297353CC}">
-                  <c16:uniqueId val="{00000007-BDA7-44C5-8058-0A525BE1E5F2}"/>
+                  <c16:uniqueId val="{00000007-CB68-4E64-B961-5F0638DAF763}"/>
                 </c:ext>
               </c:extLst>
             </c:dLbl>
@@ -2434,7 +2446,7 @@
                   </c15:layout>
                 </c:ext>
                 <c:ext xmlns:c16="http://schemas.microsoft.com/office/drawing/2014/chart" uri="{C3380CC4-5D6E-409C-BE32-E72D297353CC}">
-                  <c16:uniqueId val="{0000000D-BDA7-44C5-8058-0A525BE1E5F2}"/>
+                  <c16:uniqueId val="{0000000D-CB68-4E64-B961-5F0638DAF763}"/>
                 </c:ext>
               </c:extLst>
             </c:dLbl>
@@ -2529,32 +2541,32 @@
                 <c:formatCode>_(\I\R\T\ * #,##0_)</c:formatCode>
                 <c:ptCount val="7"/>
                 <c:pt idx="0">
-                  <c:v>3552000000</c:v>
+                  <c:v>3948000000</c:v>
                 </c:pt>
                 <c:pt idx="1">
                   <c:v>420000000</c:v>
                 </c:pt>
                 <c:pt idx="2">
-                  <c:v>5929180000</c:v>
+                  <c:v>5751180000</c:v>
                 </c:pt>
                 <c:pt idx="3">
-                  <c:v>2090000000</c:v>
+                  <c:v>3090000000</c:v>
                 </c:pt>
                 <c:pt idx="4">
-                  <c:v>630000000</c:v>
+                  <c:v>600000000</c:v>
                 </c:pt>
                 <c:pt idx="5">
-                  <c:v>1015300000</c:v>
+                  <c:v>1009360000</c:v>
                 </c:pt>
                 <c:pt idx="6">
-                  <c:v>1363648000</c:v>
+                  <c:v>1481854000</c:v>
                 </c:pt>
               </c:numCache>
             </c:numRef>
           </c:val>
           <c:extLst>
             <c:ext xmlns:c16="http://schemas.microsoft.com/office/drawing/2014/chart" uri="{C3380CC4-5D6E-409C-BE32-E72D297353CC}">
-              <c16:uniqueId val="{0000000E-BDA7-44C5-8058-0A525BE1E5F2}"/>
+              <c16:uniqueId val="{0000000E-CB68-4E64-B961-5F0638DAF763}"/>
             </c:ext>
           </c:extLst>
         </c:ser>
@@ -2763,42 +2775,8 @@
 </file>
 
 <file path=ppt/charts/colors6.xml><?xml version="1.0" encoding="utf-8"?>
-<cs:colorStyle xmlns:cs="http://schemas.microsoft.com/office/drawing/2012/chartStyle" xmlns:a="http://schemas.openxmlformats.org/drawingml/2006/main" meth="cycle" id="10">
-  <a:schemeClr val="accent1"/>
-  <a:schemeClr val="accent2"/>
+<cs:colorStyle xmlns:cs="http://schemas.microsoft.com/office/drawing/2012/chartStyle" xmlns:a="http://schemas.openxmlformats.org/drawingml/2006/main" meth="withinLinearReversed" id="23">
   <a:schemeClr val="accent3"/>
-  <a:schemeClr val="accent4"/>
-  <a:schemeClr val="accent5"/>
-  <a:schemeClr val="accent6"/>
-  <cs:variation/>
-  <cs:variation>
-    <a:lumMod val="60000"/>
-  </cs:variation>
-  <cs:variation>
-    <a:lumMod val="80000"/>
-    <a:lumOff val="20000"/>
-  </cs:variation>
-  <cs:variation>
-    <a:lumMod val="80000"/>
-  </cs:variation>
-  <cs:variation>
-    <a:lumMod val="60000"/>
-    <a:lumOff val="40000"/>
-  </cs:variation>
-  <cs:variation>
-    <a:lumMod val="50000"/>
-  </cs:variation>
-  <cs:variation>
-    <a:lumMod val="70000"/>
-    <a:lumOff val="30000"/>
-  </cs:variation>
-  <cs:variation>
-    <a:lumMod val="70000"/>
-  </cs:variation>
-  <cs:variation>
-    <a:lumMod val="50000"/>
-    <a:lumOff val="50000"/>
-  </cs:variation>
 </cs:colorStyle>
 </file>
 
@@ -15969,7 +15947,7 @@
   <dgm:whole/>
   <dgm:extLst>
     <a:ext uri="http://schemas.microsoft.com/office/drawing/2008/diagram">
-      <dsp:dataModelExt xmlns:dsp="http://schemas.microsoft.com/office/drawing/2008/diagram" relId="rId8" minVer="http://schemas.openxmlformats.org/drawingml/2006/diagram"/>
+      <dsp:dataModelExt xmlns:dsp="http://schemas.microsoft.com/office/drawing/2008/diagram" relId="rId7" minVer="http://schemas.openxmlformats.org/drawingml/2006/diagram"/>
     </a:ext>
   </dgm:extLst>
 </dgm:dataModel>
@@ -47118,37 +47096,6 @@
       </p:sp>
       <p:graphicFrame>
         <p:nvGraphicFramePr>
-          <p:cNvPr id="12" name="Content Placeholder 11">
-            <a:extLst>
-              <a:ext uri="{FF2B5EF4-FFF2-40B4-BE49-F238E27FC236}">
-                <a16:creationId xmlns:a16="http://schemas.microsoft.com/office/drawing/2014/main" id="{52DDB63B-DAF4-4BBD-BC0E-1F0EF00E8F91}"/>
-              </a:ext>
-            </a:extLst>
-          </p:cNvPr>
-          <p:cNvGraphicFramePr>
-            <a:graphicFrameLocks noGrp="1"/>
-          </p:cNvGraphicFramePr>
-          <p:nvPr>
-            <p:ph sz="half" idx="1"/>
-            <p:extLst>
-              <p:ext uri="{D42A27DB-BD31-4B8C-83A1-F6EECF244321}">
-                <p14:modId xmlns:p14="http://schemas.microsoft.com/office/powerpoint/2010/main" val="634817340"/>
-              </p:ext>
-            </p:extLst>
-          </p:nvPr>
-        </p:nvGraphicFramePr>
-        <p:xfrm>
-          <a:off x="1057275" y="1568450"/>
-          <a:ext cx="4840288" cy="4511675"/>
-        </p:xfrm>
-        <a:graphic>
-          <a:graphicData uri="http://schemas.openxmlformats.org/drawingml/2006/chart">
-            <c:chart xmlns:c="http://schemas.openxmlformats.org/drawingml/2006/chart" xmlns:r="http://schemas.openxmlformats.org/officeDocument/2006/relationships" r:id="rId3"/>
-          </a:graphicData>
-        </a:graphic>
-      </p:graphicFrame>
-      <p:graphicFrame>
-        <p:nvGraphicFramePr>
           <p:cNvPr id="6" name="Content Placeholder 19">
             <a:extLst>
               <a:ext uri="{FF2B5EF4-FFF2-40B4-BE49-F238E27FC236}">
@@ -47174,7 +47121,7 @@
         </p:xfrm>
         <a:graphic>
           <a:graphicData uri="http://schemas.openxmlformats.org/drawingml/2006/diagram">
-            <dgm:relIds xmlns:dgm="http://schemas.openxmlformats.org/drawingml/2006/diagram" xmlns:r="http://schemas.openxmlformats.org/officeDocument/2006/relationships" r:dm="rId4" r:lo="rId5" r:qs="rId6" r:cs="rId7"/>
+            <dgm:relIds xmlns:dgm="http://schemas.openxmlformats.org/drawingml/2006/diagram" xmlns:r="http://schemas.openxmlformats.org/officeDocument/2006/relationships" r:dm="rId3" r:lo="rId4" r:qs="rId5" r:cs="rId6"/>
           </a:graphicData>
         </a:graphic>
       </p:graphicFrame>
@@ -47207,6 +47154,37 @@
           </a:p>
         </p:txBody>
       </p:sp>
+      <p:graphicFrame>
+        <p:nvGraphicFramePr>
+          <p:cNvPr id="10" name="Content Placeholder 9">
+            <a:extLst>
+              <a:ext uri="{FF2B5EF4-FFF2-40B4-BE49-F238E27FC236}">
+                <a16:creationId xmlns:a16="http://schemas.microsoft.com/office/drawing/2014/main" id="{52DDB63B-DAF4-4BBD-BC0E-1F0EF00E8F91}"/>
+              </a:ext>
+            </a:extLst>
+          </p:cNvPr>
+          <p:cNvGraphicFramePr>
+            <a:graphicFrameLocks noGrp="1"/>
+          </p:cNvGraphicFramePr>
+          <p:nvPr>
+            <p:ph sz="half" idx="1"/>
+            <p:extLst>
+              <p:ext uri="{D42A27DB-BD31-4B8C-83A1-F6EECF244321}">
+                <p14:modId xmlns:p14="http://schemas.microsoft.com/office/powerpoint/2010/main" val="804677641"/>
+              </p:ext>
+            </p:extLst>
+          </p:nvPr>
+        </p:nvGraphicFramePr>
+        <p:xfrm>
+          <a:off x="1057275" y="1568450"/>
+          <a:ext cx="4840288" cy="4511675"/>
+        </p:xfrm>
+        <a:graphic>
+          <a:graphicData uri="http://schemas.openxmlformats.org/drawingml/2006/chart">
+            <c:chart xmlns:c="http://schemas.openxmlformats.org/drawingml/2006/chart" xmlns:r="http://schemas.openxmlformats.org/officeDocument/2006/relationships" r:id="rId8"/>
+          </a:graphicData>
+        </a:graphic>
+      </p:graphicFrame>
     </p:spTree>
     <p:extLst>
       <p:ext uri="{BB962C8B-B14F-4D97-AF65-F5344CB8AC3E}">
@@ -47673,7 +47651,7 @@
                                           </p:stCondLst>
                                         </p:cTn>
                                         <p:tgtEl>
-                                          <p:spTgt spid="12">
+                                          <p:spTgt spid="10">
                                             <p:graphicEl>
                                               <a:chart seriesIdx="-3" categoryIdx="-3" bldStep="gridLegend"/>
                                             </p:graphicEl>
@@ -47691,7 +47669,7 @@
                                       <p:cBhvr>
                                         <p:cTn id="39" dur="250"/>
                                         <p:tgtEl>
-                                          <p:spTgt spid="12">
+                                          <p:spTgt spid="10">
                                             <p:graphicEl>
                                               <a:chart seriesIdx="-3" categoryIdx="-3" bldStep="gridLegend"/>
                                             </p:graphicEl>
@@ -47725,7 +47703,7 @@
                                           </p:stCondLst>
                                         </p:cTn>
                                         <p:tgtEl>
-                                          <p:spTgt spid="12">
+                                          <p:spTgt spid="10">
                                             <p:graphicEl>
                                               <a:chart seriesIdx="-4" categoryIdx="0" bldStep="category"/>
                                             </p:graphicEl>
@@ -47743,7 +47721,7 @@
                                       <p:cBhvr>
                                         <p:cTn id="43" dur="250"/>
                                         <p:tgtEl>
-                                          <p:spTgt spid="12">
+                                          <p:spTgt spid="10">
                                             <p:graphicEl>
                                               <a:chart seriesIdx="-4" categoryIdx="0" bldStep="category"/>
                                             </p:graphicEl>
@@ -47777,7 +47755,7 @@
                                           </p:stCondLst>
                                         </p:cTn>
                                         <p:tgtEl>
-                                          <p:spTgt spid="12">
+                                          <p:spTgt spid="10">
                                             <p:graphicEl>
                                               <a:chart seriesIdx="-4" categoryIdx="1" bldStep="category"/>
                                             </p:graphicEl>
@@ -47795,7 +47773,7 @@
                                       <p:cBhvr>
                                         <p:cTn id="47" dur="250"/>
                                         <p:tgtEl>
-                                          <p:spTgt spid="12">
+                                          <p:spTgt spid="10">
                                             <p:graphicEl>
                                               <a:chart seriesIdx="-4" categoryIdx="1" bldStep="category"/>
                                             </p:graphicEl>
@@ -47829,7 +47807,7 @@
                                           </p:stCondLst>
                                         </p:cTn>
                                         <p:tgtEl>
-                                          <p:spTgt spid="12">
+                                          <p:spTgt spid="10">
                                             <p:graphicEl>
                                               <a:chart seriesIdx="-4" categoryIdx="2" bldStep="category"/>
                                             </p:graphicEl>
@@ -47847,7 +47825,7 @@
                                       <p:cBhvr>
                                         <p:cTn id="51" dur="250"/>
                                         <p:tgtEl>
-                                          <p:spTgt spid="12">
+                                          <p:spTgt spid="10">
                                             <p:graphicEl>
                                               <a:chart seriesIdx="-4" categoryIdx="2" bldStep="category"/>
                                             </p:graphicEl>
@@ -47881,7 +47859,7 @@
                                           </p:stCondLst>
                                         </p:cTn>
                                         <p:tgtEl>
-                                          <p:spTgt spid="12">
+                                          <p:spTgt spid="10">
                                             <p:graphicEl>
                                               <a:chart seriesIdx="-4" categoryIdx="3" bldStep="category"/>
                                             </p:graphicEl>
@@ -47899,7 +47877,7 @@
                                       <p:cBhvr>
                                         <p:cTn id="55" dur="250"/>
                                         <p:tgtEl>
-                                          <p:spTgt spid="12">
+                                          <p:spTgt spid="10">
                                             <p:graphicEl>
                                               <a:chart seriesIdx="-4" categoryIdx="3" bldStep="category"/>
                                             </p:graphicEl>
@@ -47933,7 +47911,7 @@
                                           </p:stCondLst>
                                         </p:cTn>
                                         <p:tgtEl>
-                                          <p:spTgt spid="12">
+                                          <p:spTgt spid="10">
                                             <p:graphicEl>
                                               <a:chart seriesIdx="-4" categoryIdx="4" bldStep="category"/>
                                             </p:graphicEl>
@@ -47951,7 +47929,7 @@
                                       <p:cBhvr>
                                         <p:cTn id="59" dur="250"/>
                                         <p:tgtEl>
-                                          <p:spTgt spid="12">
+                                          <p:spTgt spid="10">
                                             <p:graphicEl>
                                               <a:chart seriesIdx="-4" categoryIdx="4" bldStep="category"/>
                                             </p:graphicEl>
@@ -47985,7 +47963,7 @@
                                           </p:stCondLst>
                                         </p:cTn>
                                         <p:tgtEl>
-                                          <p:spTgt spid="12">
+                                          <p:spTgt spid="10">
                                             <p:graphicEl>
                                               <a:chart seriesIdx="-4" categoryIdx="5" bldStep="category"/>
                                             </p:graphicEl>
@@ -48003,7 +47981,7 @@
                                       <p:cBhvr>
                                         <p:cTn id="63" dur="250"/>
                                         <p:tgtEl>
-                                          <p:spTgt spid="12">
+                                          <p:spTgt spid="10">
                                             <p:graphicEl>
                                               <a:chart seriesIdx="-4" categoryIdx="5" bldStep="category"/>
                                             </p:graphicEl>
@@ -48037,7 +48015,7 @@
                                           </p:stCondLst>
                                         </p:cTn>
                                         <p:tgtEl>
-                                          <p:spTgt spid="12">
+                                          <p:spTgt spid="10">
                                             <p:graphicEl>
                                               <a:chart seriesIdx="-4" categoryIdx="6" bldStep="category"/>
                                             </p:graphicEl>
@@ -48055,7 +48033,7 @@
                                       <p:cBhvr>
                                         <p:cTn id="67" dur="250"/>
                                         <p:tgtEl>
-                                          <p:spTgt spid="12">
+                                          <p:spTgt spid="10">
                                             <p:graphicEl>
                                               <a:chart seriesIdx="-4" categoryIdx="6" bldStep="category"/>
                                             </p:graphicEl>
@@ -48094,14 +48072,14 @@
       </p:par>
     </p:tnLst>
     <p:bldLst>
-      <p:bldGraphic spid="12" grpId="0">
-        <p:bldSub>
-          <a:bldChart bld="category"/>
-        </p:bldSub>
-      </p:bldGraphic>
       <p:bldGraphic spid="6" grpId="0">
         <p:bldSub>
           <a:bldDgm/>
+        </p:bldSub>
+      </p:bldGraphic>
+      <p:bldGraphic spid="10" grpId="0">
+        <p:bldSub>
+          <a:bldChart bld="category"/>
         </p:bldSub>
       </p:bldGraphic>
     </p:bldLst>
